--- a/Project_02/docs/Torres_ENGI301_Project_02_proposal.pptx
+++ b/Project_02/docs/Torres_ENGI301_Project_02_proposal.pptx
@@ -219,7 +219,7 @@
           <a:p>
             <a:fld id="{59041DB8-B66F-4DC8-A96E-33677E0F90FF}" type="datetimeFigureOut">
               <a:rPr lang="en-US" smtClean="0"/>
-              <a:t>11/15/21</a:t>
+              <a:t>12/14/21</a:t>
             </a:fld>
             <a:endParaRPr lang="en-US"/>
           </a:p>
@@ -384,7 +384,7 @@
           <a:p>
             <a:fld id="{DEB49C4A-65AC-492D-9701-81B46C3AD0E4}" type="datetimeFigureOut">
               <a:rPr lang="en-US" smtClean="0"/>
-              <a:t>11/15/21</a:t>
+              <a:t>12/14/21</a:t>
             </a:fld>
             <a:endParaRPr lang="en-US"/>
           </a:p>
@@ -784,6 +784,33 @@
               <a:t>What should I do about the potentiometer for the LCD screen?</a:t>
             </a:r>
           </a:p>
+          <a:p>
+            <a:endParaRPr lang="en-US" dirty="0"/>
+          </a:p>
+          <a:p>
+            <a:r>
+              <a:rPr lang="en-US" dirty="0"/>
+              <a:t>What way are the words facing</a:t>
+            </a:r>
+          </a:p>
+          <a:p>
+            <a:r>
+              <a:rPr lang="en-US" dirty="0"/>
+              <a:t>Where are the pins for the LCD screen</a:t>
+            </a:r>
+          </a:p>
+          <a:p>
+            <a:endParaRPr lang="en-US" dirty="0"/>
+          </a:p>
+          <a:p>
+            <a:r>
+              <a:rPr lang="en-US" dirty="0"/>
+              <a:t>IMU in the center of the board</a:t>
+            </a:r>
+          </a:p>
+          <a:p>
+            <a:endParaRPr lang="en-US" dirty="0"/>
+          </a:p>
         </p:txBody>
       </p:sp>
       <p:sp>
@@ -869,6 +896,15 @@
             <a:r>
               <a:rPr lang="en-US" dirty="0"/>
               <a:t>What battery can I get? You suggested it but then I did not know how to implement it.</a:t>
+            </a:r>
+          </a:p>
+          <a:p>
+            <a:endParaRPr lang="en-US" dirty="0"/>
+          </a:p>
+          <a:p>
+            <a:r>
+              <a:rPr lang="en-US" dirty="0"/>
+              <a:t>Where are the two wires that connect to motor going? 2-pin 100mil female header (take from servo)</a:t>
             </a:r>
           </a:p>
         </p:txBody>
@@ -3050,7 +3086,7 @@
           <a:p>
             <a:fld id="{384A29A4-78C8-47AB-BA06-22CB45938951}" type="datetime1">
               <a:rPr lang="en-US" smtClean="0"/>
-              <a:t>11/15/21</a:t>
+              <a:t>12/14/21</a:t>
             </a:fld>
             <a:endParaRPr lang="en-US"/>
           </a:p>
@@ -3245,7 +3281,7 @@
           <a:p>
             <a:fld id="{E1ED4ACF-2D82-46F2-A8E9-23963AA34E86}" type="datetime1">
               <a:rPr lang="en-US" smtClean="0"/>
-              <a:t>11/15/21</a:t>
+              <a:t>12/14/21</a:t>
             </a:fld>
             <a:endParaRPr lang="en-US"/>
           </a:p>
@@ -3439,7 +3475,7 @@
           <a:p>
             <a:fld id="{AE374B5B-21A0-4192-BF4C-38187F1A68D8}" type="datetime1">
               <a:rPr lang="en-US" smtClean="0"/>
-              <a:t>11/15/21</a:t>
+              <a:t>12/14/21</a:t>
             </a:fld>
             <a:endParaRPr lang="en-US"/>
           </a:p>
@@ -5780,7 +5816,7 @@
           <a:p>
             <a:fld id="{33B5CF7C-B333-48E1-A4A6-83A3C8B73AC0}" type="datetime1">
               <a:rPr lang="en-US" smtClean="0"/>
-              <a:t>11/15/21</a:t>
+              <a:t>12/14/21</a:t>
             </a:fld>
             <a:endParaRPr lang="en-US"/>
           </a:p>
@@ -6233,7 +6269,7 @@
           <a:p>
             <a:fld id="{AE320762-5CBF-4210-AB54-376B091119F8}" type="datetime1">
               <a:rPr lang="en-US" smtClean="0"/>
-              <a:t>11/15/21</a:t>
+              <a:t>12/14/21</a:t>
             </a:fld>
             <a:endParaRPr lang="en-US"/>
           </a:p>
@@ -6365,7 +6401,7 @@
           <a:p>
             <a:fld id="{7F0DB371-BF5F-4058-A212-1A908E4D2674}" type="datetime1">
               <a:rPr lang="en-US" smtClean="0"/>
-              <a:t>11/15/21</a:t>
+              <a:t>12/14/21</a:t>
             </a:fld>
             <a:endParaRPr lang="en-US"/>
           </a:p>
@@ -8298,7 +8334,7 @@
           <a:p>
             <a:fld id="{60A4083B-90AA-48CF-BAD5-00AA24D7F288}" type="datetime1">
               <a:rPr lang="en-US" smtClean="0"/>
-              <a:t>11/15/21</a:t>
+              <a:t>12/14/21</a:t>
             </a:fld>
             <a:endParaRPr lang="en-US"/>
           </a:p>
@@ -10557,7 +10593,7 @@
             <a:fld id="{F5BAF629-ECA2-4CF3-B790-9D9BDED98269}" type="datetime1">
               <a:rPr lang="en-US" smtClean="0"/>
               <a:pPr/>
-              <a:t>11/15/21</a:t>
+              <a:t>12/14/21</a:t>
             </a:fld>
             <a:endParaRPr lang="en-US"/>
           </a:p>
@@ -14852,7 +14888,7 @@
             <a:fld id="{B51B2453-8663-4C69-AF73-9FD7B1DEC5D0}" type="datetime1">
               <a:rPr lang="en-US" smtClean="0"/>
               <a:pPr/>
-              <a:t>11/15/21</a:t>
+              <a:t>12/14/21</a:t>
             </a:fld>
             <a:endParaRPr lang="en-US" dirty="0"/>
           </a:p>
@@ -15934,52 +15970,6 @@
       </p:sp>
       <p:sp>
         <p:nvSpPr>
-          <p:cNvPr id="5" name="Rectangle 4">
-            <a:extLst>
-              <a:ext uri="{FF2B5EF4-FFF2-40B4-BE49-F238E27FC236}">
-                <a16:creationId xmlns:a16="http://schemas.microsoft.com/office/drawing/2014/main" id="{A0CE00BB-D36D-8841-BBFC-08E32F89B00F}"/>
-              </a:ext>
-            </a:extLst>
-          </p:cNvPr>
-          <p:cNvSpPr/>
-          <p:nvPr/>
-        </p:nvSpPr>
-        <p:spPr>
-          <a:xfrm rot="5400000">
-            <a:off x="6677467" y="4300449"/>
-            <a:ext cx="182880" cy="182880"/>
-          </a:xfrm>
-          <a:prstGeom prst="rect">
-            <a:avLst/>
-          </a:prstGeom>
-        </p:spPr>
-        <p:style>
-          <a:lnRef idx="2">
-            <a:schemeClr val="accent1">
-              <a:shade val="50000"/>
-            </a:schemeClr>
-          </a:lnRef>
-          <a:fillRef idx="1">
-            <a:schemeClr val="accent1"/>
-          </a:fillRef>
-          <a:effectRef idx="0">
-            <a:schemeClr val="accent1"/>
-          </a:effectRef>
-          <a:fontRef idx="minor">
-            <a:schemeClr val="lt1"/>
-          </a:fontRef>
-        </p:style>
-        <p:txBody>
-          <a:bodyPr vert="vert270" rtlCol="0" anchor="ctr"/>
-          <a:lstStyle/>
-          <a:p>
-            <a:pPr algn="ctr"/>
-            <a:endParaRPr lang="en-US" dirty="0"/>
-          </a:p>
-        </p:txBody>
-      </p:sp>
-      <p:sp>
-        <p:nvSpPr>
           <p:cNvPr id="6" name="Rectangle 5">
             <a:extLst>
               <a:ext uri="{FF2B5EF4-FFF2-40B4-BE49-F238E27FC236}">
@@ -15992,8 +15982,8 @@
         </p:nvSpPr>
         <p:spPr>
           <a:xfrm>
-            <a:off x="5334000" y="2057400"/>
-            <a:ext cx="4514848" cy="1676400"/>
+            <a:off x="1529932" y="3040435"/>
+            <a:ext cx="3717613" cy="1676400"/>
           </a:xfrm>
           <a:prstGeom prst="rect">
             <a:avLst/>
@@ -16041,8 +16031,8 @@
         </p:nvSpPr>
         <p:spPr>
           <a:xfrm>
-            <a:off x="2076943" y="1948935"/>
-            <a:ext cx="7772400" cy="3048000"/>
+            <a:off x="838204" y="1948935"/>
+            <a:ext cx="9011139" cy="3048000"/>
           </a:xfrm>
           <a:prstGeom prst="rect">
             <a:avLst/>
@@ -16304,8 +16294,8 @@
         </p:nvCxnSpPr>
         <p:spPr>
           <a:xfrm>
-            <a:off x="2038843" y="1758435"/>
-            <a:ext cx="3581400" cy="0"/>
+            <a:off x="838200" y="1758435"/>
+            <a:ext cx="4402756" cy="0"/>
           </a:xfrm>
           <a:prstGeom prst="line">
             <a:avLst/>
@@ -16348,8 +16338,8 @@
         </p:nvCxnSpPr>
         <p:spPr>
           <a:xfrm>
-            <a:off x="6267943" y="1758435"/>
-            <a:ext cx="3581400" cy="0"/>
+            <a:off x="5645898" y="1758435"/>
+            <a:ext cx="4203445" cy="0"/>
           </a:xfrm>
           <a:prstGeom prst="line">
             <a:avLst/>
@@ -16435,7 +16425,7 @@
         </p:nvCxnSpPr>
         <p:spPr>
           <a:xfrm>
-            <a:off x="2038843" y="1682235"/>
+            <a:off x="838200" y="1682235"/>
             <a:ext cx="0" cy="152400"/>
           </a:xfrm>
           <a:prstGeom prst="line">
@@ -16476,7 +16466,7 @@
         </p:nvSpPr>
         <p:spPr>
           <a:xfrm>
-            <a:off x="5749168" y="1497569"/>
+            <a:off x="5240956" y="1566673"/>
             <a:ext cx="389850" cy="369332"/>
           </a:xfrm>
           <a:prstGeom prst="rect">
@@ -16492,7 +16482,7 @@
           <a:p>
             <a:r>
               <a:rPr lang="en-US" dirty="0"/>
-              <a:t>5”</a:t>
+              <a:t>7”</a:t>
             </a:r>
           </a:p>
         </p:txBody>
@@ -16511,7 +16501,7 @@
         </p:nvSpPr>
         <p:spPr>
           <a:xfrm>
-            <a:off x="6319376" y="4488021"/>
+            <a:off x="4953000" y="3509878"/>
             <a:ext cx="899063" cy="369332"/>
           </a:xfrm>
           <a:prstGeom prst="rect">
@@ -16547,7 +16537,7 @@
         </p:nvSpPr>
         <p:spPr>
           <a:xfrm rot="5400000">
-            <a:off x="8974244" y="4173203"/>
+            <a:off x="9143756" y="4562091"/>
             <a:ext cx="182880" cy="182880"/>
           </a:xfrm>
           <a:prstGeom prst="rect">
@@ -16593,8 +16583,8 @@
         </p:nvSpPr>
         <p:spPr>
           <a:xfrm>
-            <a:off x="8625482" y="4366372"/>
-            <a:ext cx="899063" cy="646331"/>
+            <a:off x="8417850" y="4675136"/>
+            <a:ext cx="1451812" cy="369332"/>
           </a:xfrm>
           <a:prstGeom prst="rect">
             <a:avLst/>
@@ -16610,14 +16600,7 @@
             <a:pPr algn="ctr"/>
             <a:r>
               <a:rPr lang="en-US" dirty="0"/>
-              <a:t>Power </a:t>
-            </a:r>
-          </a:p>
-          <a:p>
-            <a:pPr algn="ctr"/>
-            <a:r>
-              <a:rPr lang="en-US" dirty="0"/>
-              <a:t>LED</a:t>
+              <a:t>Power LED</a:t>
             </a:r>
           </a:p>
         </p:txBody>
@@ -16636,8 +16619,8 @@
         </p:nvSpPr>
         <p:spPr>
           <a:xfrm rot="5400000">
-            <a:off x="2480780" y="3063360"/>
-            <a:ext cx="822960" cy="819150"/>
+            <a:off x="5587089" y="4210608"/>
+            <a:ext cx="544016" cy="820106"/>
           </a:xfrm>
           <a:prstGeom prst="rect">
             <a:avLst/>
@@ -16687,7 +16670,7 @@
         </p:nvCxnSpPr>
         <p:spPr>
           <a:xfrm>
-            <a:off x="5006327" y="2057400"/>
+            <a:off x="1267620" y="3086100"/>
             <a:ext cx="0" cy="424935"/>
           </a:xfrm>
           <a:prstGeom prst="line">
@@ -16731,7 +16714,7 @@
         </p:nvCxnSpPr>
         <p:spPr>
           <a:xfrm>
-            <a:off x="4930127" y="2057400"/>
+            <a:off x="1191420" y="3086100"/>
             <a:ext cx="152400" cy="0"/>
           </a:xfrm>
           <a:prstGeom prst="line">
@@ -16774,7 +16757,7 @@
         </p:nvCxnSpPr>
         <p:spPr>
           <a:xfrm flipV="1">
-            <a:off x="5004322" y="2986692"/>
+            <a:off x="1265615" y="4015392"/>
             <a:ext cx="0" cy="729579"/>
           </a:xfrm>
           <a:prstGeom prst="line">
@@ -16818,7 +16801,7 @@
         </p:nvCxnSpPr>
         <p:spPr>
           <a:xfrm>
-            <a:off x="4928122" y="3721898"/>
+            <a:off x="1189415" y="4750598"/>
             <a:ext cx="152400" cy="0"/>
           </a:xfrm>
           <a:prstGeom prst="line">
@@ -16859,7 +16842,7 @@
         </p:nvSpPr>
         <p:spPr>
           <a:xfrm>
-            <a:off x="4653107" y="2593872"/>
+            <a:off x="914400" y="3622572"/>
             <a:ext cx="710451" cy="369332"/>
           </a:xfrm>
           <a:prstGeom prst="rect">
@@ -16896,7 +16879,7 @@
         </p:nvCxnSpPr>
         <p:spPr>
           <a:xfrm>
-            <a:off x="5342855" y="3802434"/>
+            <a:off x="1543014" y="4831134"/>
             <a:ext cx="0" cy="152400"/>
           </a:xfrm>
           <a:prstGeom prst="line">
@@ -16939,8 +16922,8 @@
         </p:nvCxnSpPr>
         <p:spPr>
           <a:xfrm>
-            <a:off x="8094766" y="3878634"/>
-            <a:ext cx="1758955" cy="0"/>
+            <a:off x="3691680" y="4907334"/>
+            <a:ext cx="1560092" cy="0"/>
           </a:xfrm>
           <a:prstGeom prst="line">
             <a:avLst/>
@@ -16982,9 +16965,9 @@
           <p:nvPr/>
         </p:nvCxnSpPr>
         <p:spPr>
-          <a:xfrm>
-            <a:off x="9840215" y="3757917"/>
-            <a:ext cx="0" cy="152400"/>
+          <a:xfrm flipH="1">
+            <a:off x="5251772" y="4828369"/>
+            <a:ext cx="1" cy="162731"/>
           </a:xfrm>
           <a:prstGeom prst="line">
             <a:avLst/>
@@ -17026,8 +17009,8 @@
         </p:nvCxnSpPr>
         <p:spPr>
           <a:xfrm>
-            <a:off x="5342855" y="3878634"/>
-            <a:ext cx="2041021" cy="768"/>
+            <a:off x="1543014" y="4907334"/>
+            <a:ext cx="1483116" cy="0"/>
           </a:xfrm>
           <a:prstGeom prst="line">
             <a:avLst/>
@@ -17068,7 +17051,314 @@
         </p:nvSpPr>
         <p:spPr>
           <a:xfrm>
-            <a:off x="7443968" y="3699749"/>
+            <a:off x="2986205" y="4722668"/>
+            <a:ext cx="705474" cy="369332"/>
+          </a:xfrm>
+          <a:prstGeom prst="rect">
+            <a:avLst/>
+          </a:prstGeom>
+          <a:noFill/>
+        </p:spPr>
+        <p:txBody>
+          <a:bodyPr wrap="square" rtlCol="0">
+            <a:spAutoFit/>
+          </a:bodyPr>
+          <a:lstStyle/>
+          <a:p>
+            <a:r>
+              <a:rPr lang="en-US" dirty="0"/>
+              <a:t>3.15”</a:t>
+            </a:r>
+          </a:p>
+        </p:txBody>
+      </p:sp>
+      <p:sp>
+        <p:nvSpPr>
+          <p:cNvPr id="5" name="Rectangle 4">
+            <a:extLst>
+              <a:ext uri="{FF2B5EF4-FFF2-40B4-BE49-F238E27FC236}">
+                <a16:creationId xmlns:a16="http://schemas.microsoft.com/office/drawing/2014/main" id="{A0CE00BB-D36D-8841-BBFC-08E32F89B00F}"/>
+              </a:ext>
+            </a:extLst>
+          </p:cNvPr>
+          <p:cNvSpPr/>
+          <p:nvPr/>
+        </p:nvSpPr>
+        <p:spPr>
+          <a:xfrm rot="5400000">
+            <a:off x="5288183" y="3390900"/>
+            <a:ext cx="182880" cy="182880"/>
+          </a:xfrm>
+          <a:prstGeom prst="rect">
+            <a:avLst/>
+          </a:prstGeom>
+          <a:solidFill>
+            <a:schemeClr val="accent1"/>
+          </a:solidFill>
+          <a:ln>
+            <a:solidFill>
+              <a:schemeClr val="accent3">
+                <a:lumMod val="20000"/>
+                <a:lumOff val="80000"/>
+              </a:schemeClr>
+            </a:solidFill>
+          </a:ln>
+        </p:spPr>
+        <p:style>
+          <a:lnRef idx="2">
+            <a:schemeClr val="accent1">
+              <a:shade val="50000"/>
+            </a:schemeClr>
+          </a:lnRef>
+          <a:fillRef idx="1">
+            <a:schemeClr val="accent1"/>
+          </a:fillRef>
+          <a:effectRef idx="0">
+            <a:schemeClr val="accent1"/>
+          </a:effectRef>
+          <a:fontRef idx="minor">
+            <a:schemeClr val="lt1"/>
+          </a:fontRef>
+        </p:style>
+        <p:txBody>
+          <a:bodyPr vert="vert270" rtlCol="0" anchor="ctr"/>
+          <a:lstStyle/>
+          <a:p>
+            <a:pPr algn="ctr"/>
+            <a:endParaRPr lang="en-US" dirty="0"/>
+          </a:p>
+        </p:txBody>
+      </p:sp>
+      <p:sp>
+        <p:nvSpPr>
+          <p:cNvPr id="55" name="Rectangle 54">
+            <a:extLst>
+              <a:ext uri="{FF2B5EF4-FFF2-40B4-BE49-F238E27FC236}">
+                <a16:creationId xmlns:a16="http://schemas.microsoft.com/office/drawing/2014/main" id="{29DFA3F7-CF40-A748-BC79-B87E3B3103AD}"/>
+              </a:ext>
+            </a:extLst>
+          </p:cNvPr>
+          <p:cNvSpPr/>
+          <p:nvPr/>
+        </p:nvSpPr>
+        <p:spPr>
+          <a:xfrm>
+            <a:off x="6420868" y="2476500"/>
+            <a:ext cx="3352800" cy="1905000"/>
+          </a:xfrm>
+          <a:prstGeom prst="rect">
+            <a:avLst/>
+          </a:prstGeom>
+        </p:spPr>
+        <p:style>
+          <a:lnRef idx="2">
+            <a:schemeClr val="accent1">
+              <a:shade val="50000"/>
+            </a:schemeClr>
+          </a:lnRef>
+          <a:fillRef idx="1">
+            <a:schemeClr val="accent1"/>
+          </a:fillRef>
+          <a:effectRef idx="0">
+            <a:schemeClr val="accent1"/>
+          </a:effectRef>
+          <a:fontRef idx="minor">
+            <a:schemeClr val="lt1"/>
+          </a:fontRef>
+        </p:style>
+        <p:txBody>
+          <a:bodyPr rtlCol="0" anchor="ctr"/>
+          <a:lstStyle/>
+          <a:p>
+            <a:pPr algn="ctr"/>
+            <a:r>
+              <a:rPr lang="en-US" dirty="0"/>
+              <a:t>Pocket Beagle</a:t>
+            </a:r>
+          </a:p>
+        </p:txBody>
+      </p:sp>
+      <p:sp>
+        <p:nvSpPr>
+          <p:cNvPr id="56" name="TextBox 55">
+            <a:extLst>
+              <a:ext uri="{FF2B5EF4-FFF2-40B4-BE49-F238E27FC236}">
+                <a16:creationId xmlns:a16="http://schemas.microsoft.com/office/drawing/2014/main" id="{9AD68E2B-3ED1-D241-9A8F-5EDE3B75603A}"/>
+              </a:ext>
+            </a:extLst>
+          </p:cNvPr>
+          <p:cNvSpPr txBox="1"/>
+          <p:nvPr/>
+        </p:nvSpPr>
+        <p:spPr>
+          <a:xfrm rot="16200000">
+            <a:off x="9247757" y="3508010"/>
+            <a:ext cx="659155" cy="369332"/>
+          </a:xfrm>
+          <a:prstGeom prst="rect">
+            <a:avLst/>
+          </a:prstGeom>
+          <a:noFill/>
+        </p:spPr>
+        <p:txBody>
+          <a:bodyPr wrap="square" rtlCol="0">
+            <a:spAutoFit/>
+          </a:bodyPr>
+          <a:lstStyle/>
+          <a:p>
+            <a:r>
+              <a:rPr lang="en-US" dirty="0"/>
+              <a:t>USB</a:t>
+            </a:r>
+          </a:p>
+        </p:txBody>
+      </p:sp>
+      <p:cxnSp>
+        <p:nvCxnSpPr>
+          <p:cNvPr id="57" name="Straight Connector 56">
+            <a:extLst>
+              <a:ext uri="{FF2B5EF4-FFF2-40B4-BE49-F238E27FC236}">
+                <a16:creationId xmlns:a16="http://schemas.microsoft.com/office/drawing/2014/main" id="{F10C3869-05A2-584A-9184-1C0A68E6DCE8}"/>
+              </a:ext>
+            </a:extLst>
+          </p:cNvPr>
+          <p:cNvCxnSpPr>
+            <a:cxnSpLocks/>
+          </p:cNvCxnSpPr>
+          <p:nvPr/>
+        </p:nvCxnSpPr>
+        <p:spPr>
+          <a:xfrm>
+            <a:off x="6183418" y="2476500"/>
+            <a:ext cx="0" cy="642021"/>
+          </a:xfrm>
+          <a:prstGeom prst="line">
+            <a:avLst/>
+          </a:prstGeom>
+          <a:ln w="12700">
+            <a:solidFill>
+              <a:schemeClr val="tx1"/>
+            </a:solidFill>
+            <a:headEnd type="triangle"/>
+          </a:ln>
+        </p:spPr>
+        <p:style>
+          <a:lnRef idx="1">
+            <a:schemeClr val="accent1"/>
+          </a:lnRef>
+          <a:fillRef idx="0">
+            <a:schemeClr val="accent1"/>
+          </a:fillRef>
+          <a:effectRef idx="0">
+            <a:schemeClr val="accent1"/>
+          </a:effectRef>
+          <a:fontRef idx="minor">
+            <a:schemeClr val="tx1"/>
+          </a:fontRef>
+        </p:style>
+      </p:cxnSp>
+      <p:cxnSp>
+        <p:nvCxnSpPr>
+          <p:cNvPr id="58" name="Straight Connector 57">
+            <a:extLst>
+              <a:ext uri="{FF2B5EF4-FFF2-40B4-BE49-F238E27FC236}">
+                <a16:creationId xmlns:a16="http://schemas.microsoft.com/office/drawing/2014/main" id="{23942348-B285-8C45-BBEE-4F4B7FDAA709}"/>
+              </a:ext>
+            </a:extLst>
+          </p:cNvPr>
+          <p:cNvCxnSpPr>
+            <a:cxnSpLocks/>
+          </p:cNvCxnSpPr>
+          <p:nvPr/>
+        </p:nvCxnSpPr>
+        <p:spPr>
+          <a:xfrm>
+            <a:off x="6107218" y="2476500"/>
+            <a:ext cx="152400" cy="0"/>
+          </a:xfrm>
+          <a:prstGeom prst="line">
+            <a:avLst/>
+          </a:prstGeom>
+          <a:ln w="12700">
+            <a:solidFill>
+              <a:schemeClr val="tx1"/>
+            </a:solidFill>
+          </a:ln>
+        </p:spPr>
+        <p:style>
+          <a:lnRef idx="1">
+            <a:schemeClr val="accent1"/>
+          </a:lnRef>
+          <a:fillRef idx="0">
+            <a:schemeClr val="accent1"/>
+          </a:fillRef>
+          <a:effectRef idx="0">
+            <a:schemeClr val="accent1"/>
+          </a:effectRef>
+          <a:fontRef idx="minor">
+            <a:schemeClr val="tx1"/>
+          </a:fontRef>
+        </p:style>
+      </p:cxnSp>
+      <p:cxnSp>
+        <p:nvCxnSpPr>
+          <p:cNvPr id="59" name="Straight Connector 58">
+            <a:extLst>
+              <a:ext uri="{FF2B5EF4-FFF2-40B4-BE49-F238E27FC236}">
+                <a16:creationId xmlns:a16="http://schemas.microsoft.com/office/drawing/2014/main" id="{012DFA40-D9F4-D84A-A3DB-4768D15C5D1C}"/>
+              </a:ext>
+            </a:extLst>
+          </p:cNvPr>
+          <p:cNvCxnSpPr>
+            <a:cxnSpLocks/>
+          </p:cNvCxnSpPr>
+          <p:nvPr/>
+        </p:nvCxnSpPr>
+        <p:spPr>
+          <a:xfrm flipV="1">
+            <a:off x="6183418" y="3575721"/>
+            <a:ext cx="0" cy="805779"/>
+          </a:xfrm>
+          <a:prstGeom prst="line">
+            <a:avLst/>
+          </a:prstGeom>
+          <a:ln w="12700">
+            <a:solidFill>
+              <a:schemeClr val="tx1"/>
+            </a:solidFill>
+            <a:headEnd type="triangle"/>
+          </a:ln>
+        </p:spPr>
+        <p:style>
+          <a:lnRef idx="1">
+            <a:schemeClr val="accent1"/>
+          </a:lnRef>
+          <a:fillRef idx="0">
+            <a:schemeClr val="accent1"/>
+          </a:fillRef>
+          <a:effectRef idx="0">
+            <a:schemeClr val="accent1"/>
+          </a:effectRef>
+          <a:fontRef idx="minor">
+            <a:schemeClr val="tx1"/>
+          </a:fontRef>
+        </p:style>
+      </p:cxnSp>
+      <p:sp>
+        <p:nvSpPr>
+          <p:cNvPr id="60" name="TextBox 59">
+            <a:extLst>
+              <a:ext uri="{FF2B5EF4-FFF2-40B4-BE49-F238E27FC236}">
+                <a16:creationId xmlns:a16="http://schemas.microsoft.com/office/drawing/2014/main" id="{E24C36D6-BB16-1444-87C6-DF694E162AEF}"/>
+              </a:ext>
+            </a:extLst>
+          </p:cNvPr>
+          <p:cNvSpPr txBox="1"/>
+          <p:nvPr/>
+        </p:nvSpPr>
+        <p:spPr>
+          <a:xfrm>
+            <a:off x="5753100" y="3194721"/>
             <a:ext cx="710451" cy="369332"/>
           </a:xfrm>
           <a:prstGeom prst="rect">
@@ -17084,7 +17374,308 @@
           <a:p>
             <a:r>
               <a:rPr lang="en-US" dirty="0"/>
-              <a:t>3.15”</a:t>
+              <a:t>1.38”</a:t>
+            </a:r>
+          </a:p>
+        </p:txBody>
+      </p:sp>
+      <p:cxnSp>
+        <p:nvCxnSpPr>
+          <p:cNvPr id="61" name="Straight Connector 60">
+            <a:extLst>
+              <a:ext uri="{FF2B5EF4-FFF2-40B4-BE49-F238E27FC236}">
+                <a16:creationId xmlns:a16="http://schemas.microsoft.com/office/drawing/2014/main" id="{060CF752-8984-2C49-99BF-9CCB5E598E59}"/>
+              </a:ext>
+            </a:extLst>
+          </p:cNvPr>
+          <p:cNvCxnSpPr>
+            <a:cxnSpLocks/>
+          </p:cNvCxnSpPr>
+          <p:nvPr/>
+        </p:nvCxnSpPr>
+        <p:spPr>
+          <a:xfrm>
+            <a:off x="6107218" y="4387128"/>
+            <a:ext cx="152400" cy="0"/>
+          </a:xfrm>
+          <a:prstGeom prst="line">
+            <a:avLst/>
+          </a:prstGeom>
+          <a:ln w="12700">
+            <a:solidFill>
+              <a:schemeClr val="tx1"/>
+            </a:solidFill>
+          </a:ln>
+        </p:spPr>
+        <p:style>
+          <a:lnRef idx="1">
+            <a:schemeClr val="accent1"/>
+          </a:lnRef>
+          <a:fillRef idx="0">
+            <a:schemeClr val="accent1"/>
+          </a:fillRef>
+          <a:effectRef idx="0">
+            <a:schemeClr val="accent1"/>
+          </a:effectRef>
+          <a:fontRef idx="minor">
+            <a:schemeClr val="tx1"/>
+          </a:fontRef>
+        </p:style>
+      </p:cxnSp>
+      <p:cxnSp>
+        <p:nvCxnSpPr>
+          <p:cNvPr id="62" name="Straight Connector 61">
+            <a:extLst>
+              <a:ext uri="{FF2B5EF4-FFF2-40B4-BE49-F238E27FC236}">
+                <a16:creationId xmlns:a16="http://schemas.microsoft.com/office/drawing/2014/main" id="{68C6852E-92A2-D74C-B295-2CE471AB6500}"/>
+              </a:ext>
+            </a:extLst>
+          </p:cNvPr>
+          <p:cNvCxnSpPr>
+            <a:cxnSpLocks/>
+          </p:cNvCxnSpPr>
+          <p:nvPr/>
+        </p:nvCxnSpPr>
+        <p:spPr>
+          <a:xfrm>
+            <a:off x="6435220" y="2266949"/>
+            <a:ext cx="0" cy="152400"/>
+          </a:xfrm>
+          <a:prstGeom prst="line">
+            <a:avLst/>
+          </a:prstGeom>
+          <a:ln w="12700">
+            <a:solidFill>
+              <a:schemeClr val="tx1"/>
+            </a:solidFill>
+          </a:ln>
+        </p:spPr>
+        <p:style>
+          <a:lnRef idx="1">
+            <a:schemeClr val="accent1"/>
+          </a:lnRef>
+          <a:fillRef idx="0">
+            <a:schemeClr val="accent1"/>
+          </a:fillRef>
+          <a:effectRef idx="0">
+            <a:schemeClr val="accent1"/>
+          </a:effectRef>
+          <a:fontRef idx="minor">
+            <a:schemeClr val="tx1"/>
+          </a:fontRef>
+        </p:style>
+      </p:cxnSp>
+      <p:sp>
+        <p:nvSpPr>
+          <p:cNvPr id="63" name="TextBox 62">
+            <a:extLst>
+              <a:ext uri="{FF2B5EF4-FFF2-40B4-BE49-F238E27FC236}">
+                <a16:creationId xmlns:a16="http://schemas.microsoft.com/office/drawing/2014/main" id="{BCAEF9E0-84AA-9244-B7EA-1961352ABF1C}"/>
+              </a:ext>
+            </a:extLst>
+          </p:cNvPr>
+          <p:cNvSpPr txBox="1"/>
+          <p:nvPr/>
+        </p:nvSpPr>
+        <p:spPr>
+          <a:xfrm>
+            <a:off x="7892107" y="2158483"/>
+            <a:ext cx="710451" cy="369332"/>
+          </a:xfrm>
+          <a:prstGeom prst="rect">
+            <a:avLst/>
+          </a:prstGeom>
+          <a:noFill/>
+        </p:spPr>
+        <p:txBody>
+          <a:bodyPr wrap="none" rtlCol="0">
+            <a:spAutoFit/>
+          </a:bodyPr>
+          <a:lstStyle/>
+          <a:p>
+            <a:r>
+              <a:rPr lang="en-US" dirty="0"/>
+              <a:t>2.17”</a:t>
+            </a:r>
+          </a:p>
+        </p:txBody>
+      </p:sp>
+      <p:cxnSp>
+        <p:nvCxnSpPr>
+          <p:cNvPr id="64" name="Straight Connector 63">
+            <a:extLst>
+              <a:ext uri="{FF2B5EF4-FFF2-40B4-BE49-F238E27FC236}">
+                <a16:creationId xmlns:a16="http://schemas.microsoft.com/office/drawing/2014/main" id="{D1B1A033-F749-6142-8307-963384A68B2B}"/>
+              </a:ext>
+            </a:extLst>
+          </p:cNvPr>
+          <p:cNvCxnSpPr>
+            <a:cxnSpLocks/>
+          </p:cNvCxnSpPr>
+          <p:nvPr/>
+        </p:nvCxnSpPr>
+        <p:spPr>
+          <a:xfrm>
+            <a:off x="8516368" y="2362200"/>
+            <a:ext cx="1245633" cy="0"/>
+          </a:xfrm>
+          <a:prstGeom prst="line">
+            <a:avLst/>
+          </a:prstGeom>
+          <a:ln w="12700">
+            <a:solidFill>
+              <a:schemeClr val="tx1"/>
+            </a:solidFill>
+            <a:tailEnd type="triangle"/>
+          </a:ln>
+        </p:spPr>
+        <p:style>
+          <a:lnRef idx="1">
+            <a:schemeClr val="accent1"/>
+          </a:lnRef>
+          <a:fillRef idx="0">
+            <a:schemeClr val="accent1"/>
+          </a:fillRef>
+          <a:effectRef idx="0">
+            <a:schemeClr val="accent1"/>
+          </a:effectRef>
+          <a:fontRef idx="minor">
+            <a:schemeClr val="tx1"/>
+          </a:fontRef>
+        </p:style>
+      </p:cxnSp>
+      <p:cxnSp>
+        <p:nvCxnSpPr>
+          <p:cNvPr id="65" name="Straight Connector 64">
+            <a:extLst>
+              <a:ext uri="{FF2B5EF4-FFF2-40B4-BE49-F238E27FC236}">
+                <a16:creationId xmlns:a16="http://schemas.microsoft.com/office/drawing/2014/main" id="{3CFBE97F-7A09-0E4E-8B21-98C2F7FD1E0B}"/>
+              </a:ext>
+            </a:extLst>
+          </p:cNvPr>
+          <p:cNvCxnSpPr>
+            <a:cxnSpLocks/>
+          </p:cNvCxnSpPr>
+          <p:nvPr/>
+        </p:nvCxnSpPr>
+        <p:spPr>
+          <a:xfrm>
+            <a:off x="9762001" y="2286000"/>
+            <a:ext cx="0" cy="152400"/>
+          </a:xfrm>
+          <a:prstGeom prst="line">
+            <a:avLst/>
+          </a:prstGeom>
+          <a:ln w="12700">
+            <a:solidFill>
+              <a:schemeClr val="tx1"/>
+            </a:solidFill>
+          </a:ln>
+        </p:spPr>
+        <p:style>
+          <a:lnRef idx="1">
+            <a:schemeClr val="accent1"/>
+          </a:lnRef>
+          <a:fillRef idx="0">
+            <a:schemeClr val="accent1"/>
+          </a:fillRef>
+          <a:effectRef idx="0">
+            <a:schemeClr val="accent1"/>
+          </a:effectRef>
+          <a:fontRef idx="minor">
+            <a:schemeClr val="tx1"/>
+          </a:fontRef>
+        </p:style>
+      </p:cxnSp>
+      <p:cxnSp>
+        <p:nvCxnSpPr>
+          <p:cNvPr id="66" name="Straight Connector 65">
+            <a:extLst>
+              <a:ext uri="{FF2B5EF4-FFF2-40B4-BE49-F238E27FC236}">
+                <a16:creationId xmlns:a16="http://schemas.microsoft.com/office/drawing/2014/main" id="{14BAEC23-EF62-C349-B0F7-D67FEEB64917}"/>
+              </a:ext>
+            </a:extLst>
+          </p:cNvPr>
+          <p:cNvCxnSpPr>
+            <a:cxnSpLocks/>
+          </p:cNvCxnSpPr>
+          <p:nvPr/>
+        </p:nvCxnSpPr>
+        <p:spPr>
+          <a:xfrm>
+            <a:off x="6435220" y="2343149"/>
+            <a:ext cx="1433448" cy="7913"/>
+          </a:xfrm>
+          <a:prstGeom prst="line">
+            <a:avLst/>
+          </a:prstGeom>
+          <a:ln w="12700">
+            <a:solidFill>
+              <a:schemeClr val="tx1"/>
+            </a:solidFill>
+            <a:headEnd type="triangle"/>
+          </a:ln>
+        </p:spPr>
+        <p:style>
+          <a:lnRef idx="1">
+            <a:schemeClr val="accent1"/>
+          </a:lnRef>
+          <a:fillRef idx="0">
+            <a:schemeClr val="accent1"/>
+          </a:fillRef>
+          <a:effectRef idx="0">
+            <a:schemeClr val="accent1"/>
+          </a:effectRef>
+          <a:fontRef idx="minor">
+            <a:schemeClr val="tx1"/>
+          </a:fontRef>
+        </p:style>
+      </p:cxnSp>
+      <p:sp>
+        <p:nvSpPr>
+          <p:cNvPr id="67" name="Rectangle 66">
+            <a:extLst>
+              <a:ext uri="{FF2B5EF4-FFF2-40B4-BE49-F238E27FC236}">
+                <a16:creationId xmlns:a16="http://schemas.microsoft.com/office/drawing/2014/main" id="{FE81ED91-DBBD-CA4D-B5C4-3A24DD924D6D}"/>
+              </a:ext>
+            </a:extLst>
+          </p:cNvPr>
+          <p:cNvSpPr/>
+          <p:nvPr/>
+        </p:nvSpPr>
+        <p:spPr>
+          <a:xfrm rot="5400000">
+            <a:off x="5454405" y="2443317"/>
+            <a:ext cx="544016" cy="820106"/>
+          </a:xfrm>
+          <a:prstGeom prst="rect">
+            <a:avLst/>
+          </a:prstGeom>
+        </p:spPr>
+        <p:style>
+          <a:lnRef idx="2">
+            <a:schemeClr val="accent1">
+              <a:shade val="50000"/>
+            </a:schemeClr>
+          </a:lnRef>
+          <a:fillRef idx="1">
+            <a:schemeClr val="accent1"/>
+          </a:fillRef>
+          <a:effectRef idx="0">
+            <a:schemeClr val="accent1"/>
+          </a:effectRef>
+          <a:fontRef idx="minor">
+            <a:schemeClr val="lt1"/>
+          </a:fontRef>
+        </p:style>
+        <p:txBody>
+          <a:bodyPr vert="vert270" rtlCol="0" anchor="ctr"/>
+          <a:lstStyle/>
+          <a:p>
+            <a:pPr algn="ctr"/>
+            <a:r>
+              <a:rPr lang="en-US" dirty="0"/>
+              <a:t>Pot.</a:t>
             </a:r>
           </a:p>
         </p:txBody>
@@ -17099,13 +17690,13 @@
   <p:clrMapOvr>
     <a:masterClrMapping/>
   </p:clrMapOvr>
-  <mc:AlternateContent xmlns:mc="http://schemas.openxmlformats.org/markup-compatibility/2006">
-    <mc:Choice xmlns:p14="http://schemas.microsoft.com/office/powerpoint/2010/main" Requires="p14">
+  <mc:AlternateContent xmlns:mc="http://schemas.openxmlformats.org/markup-compatibility/2006" xmlns:p14="http://schemas.microsoft.com/office/powerpoint/2010/main">
+    <mc:Choice Requires="p14">
       <p:transition spd="med" p14:dur="700">
         <p:fade/>
       </p:transition>
     </mc:Choice>
-    <mc:Fallback>
+    <mc:Fallback xmlns="">
       <p:transition spd="med">
         <p:fade/>
       </p:transition>
@@ -17161,104 +17752,6 @@
       </p:sp>
       <p:sp>
         <p:nvSpPr>
-          <p:cNvPr id="5" name="Rectangle 4">
-            <a:extLst>
-              <a:ext uri="{FF2B5EF4-FFF2-40B4-BE49-F238E27FC236}">
-                <a16:creationId xmlns:a16="http://schemas.microsoft.com/office/drawing/2014/main" id="{242F6427-E29C-DB42-8DDA-7B94E30462C8}"/>
-              </a:ext>
-            </a:extLst>
-          </p:cNvPr>
-          <p:cNvSpPr/>
-          <p:nvPr/>
-        </p:nvSpPr>
-        <p:spPr>
-          <a:xfrm rot="5400000">
-            <a:off x="2952749" y="1962150"/>
-            <a:ext cx="952501" cy="1562100"/>
-          </a:xfrm>
-          <a:prstGeom prst="rect">
-            <a:avLst/>
-          </a:prstGeom>
-        </p:spPr>
-        <p:style>
-          <a:lnRef idx="2">
-            <a:schemeClr val="accent1">
-              <a:shade val="50000"/>
-            </a:schemeClr>
-          </a:lnRef>
-          <a:fillRef idx="1">
-            <a:schemeClr val="accent1"/>
-          </a:fillRef>
-          <a:effectRef idx="0">
-            <a:schemeClr val="accent1"/>
-          </a:effectRef>
-          <a:fontRef idx="minor">
-            <a:schemeClr val="lt1"/>
-          </a:fontRef>
-        </p:style>
-        <p:txBody>
-          <a:bodyPr vert="vert270" rtlCol="0" anchor="ctr"/>
-          <a:lstStyle/>
-          <a:p>
-            <a:pPr algn="ctr"/>
-            <a:r>
-              <a:rPr lang="en-US" dirty="0"/>
-              <a:t>Battery</a:t>
-            </a:r>
-          </a:p>
-        </p:txBody>
-      </p:sp>
-      <p:sp>
-        <p:nvSpPr>
-          <p:cNvPr id="6" name="Rectangle 5">
-            <a:extLst>
-              <a:ext uri="{FF2B5EF4-FFF2-40B4-BE49-F238E27FC236}">
-                <a16:creationId xmlns:a16="http://schemas.microsoft.com/office/drawing/2014/main" id="{6F3D27FE-338A-534B-B449-1E34EC8D5B59}"/>
-              </a:ext>
-            </a:extLst>
-          </p:cNvPr>
-          <p:cNvSpPr/>
-          <p:nvPr/>
-        </p:nvSpPr>
-        <p:spPr>
-          <a:xfrm>
-            <a:off x="6477000" y="2476500"/>
-            <a:ext cx="3352800" cy="1905000"/>
-          </a:xfrm>
-          <a:prstGeom prst="rect">
-            <a:avLst/>
-          </a:prstGeom>
-        </p:spPr>
-        <p:style>
-          <a:lnRef idx="2">
-            <a:schemeClr val="accent1">
-              <a:shade val="50000"/>
-            </a:schemeClr>
-          </a:lnRef>
-          <a:fillRef idx="1">
-            <a:schemeClr val="accent1"/>
-          </a:fillRef>
-          <a:effectRef idx="0">
-            <a:schemeClr val="accent1"/>
-          </a:effectRef>
-          <a:fontRef idx="minor">
-            <a:schemeClr val="lt1"/>
-          </a:fontRef>
-        </p:style>
-        <p:txBody>
-          <a:bodyPr rtlCol="0" anchor="ctr"/>
-          <a:lstStyle/>
-          <a:p>
-            <a:pPr algn="ctr"/>
-            <a:r>
-              <a:rPr lang="en-US" dirty="0"/>
-              <a:t>Pocket Beagle</a:t>
-            </a:r>
-          </a:p>
-        </p:txBody>
-      </p:sp>
-      <p:sp>
-        <p:nvSpPr>
           <p:cNvPr id="7" name="Rectangle 6">
             <a:extLst>
               <a:ext uri="{FF2B5EF4-FFF2-40B4-BE49-F238E27FC236}">
@@ -17306,41 +17799,6 @@
           <a:p>
             <a:pPr algn="ctr"/>
             <a:endParaRPr lang="en-US" i="1" dirty="0"/>
-          </a:p>
-        </p:txBody>
-      </p:sp>
-      <p:sp>
-        <p:nvSpPr>
-          <p:cNvPr id="8" name="TextBox 7">
-            <a:extLst>
-              <a:ext uri="{FF2B5EF4-FFF2-40B4-BE49-F238E27FC236}">
-                <a16:creationId xmlns:a16="http://schemas.microsoft.com/office/drawing/2014/main" id="{5ADDD36B-5593-B54F-A228-1BDBB18750DE}"/>
-              </a:ext>
-            </a:extLst>
-          </p:cNvPr>
-          <p:cNvSpPr txBox="1"/>
-          <p:nvPr/>
-        </p:nvSpPr>
-        <p:spPr>
-          <a:xfrm rot="16200000">
-            <a:off x="9303889" y="3508010"/>
-            <a:ext cx="659155" cy="369332"/>
-          </a:xfrm>
-          <a:prstGeom prst="rect">
-            <a:avLst/>
-          </a:prstGeom>
-          <a:noFill/>
-        </p:spPr>
-        <p:txBody>
-          <a:bodyPr wrap="square" rtlCol="0">
-            <a:spAutoFit/>
-          </a:bodyPr>
-          <a:lstStyle/>
-          <a:p>
-            <a:r>
-              <a:rPr lang="en-US" dirty="0"/>
-              <a:t>USB</a:t>
-            </a:r>
           </a:p>
         </p:txBody>
       </p:sp>
@@ -17776,7 +18234,7 @@
         </p:nvSpPr>
         <p:spPr>
           <a:xfrm>
-            <a:off x="2647948" y="4191000"/>
+            <a:off x="2781300" y="2631943"/>
             <a:ext cx="457200" cy="457200"/>
           </a:xfrm>
           <a:prstGeom prst="ellipse">
@@ -17822,7 +18280,7 @@
         </p:nvSpPr>
         <p:spPr>
           <a:xfrm>
-            <a:off x="3105148" y="4058334"/>
+            <a:off x="2560368" y="3220134"/>
             <a:ext cx="899063" cy="646331"/>
           </a:xfrm>
           <a:prstGeom prst="rect">
@@ -17858,7 +18316,7 @@
         </p:nvSpPr>
         <p:spPr>
           <a:xfrm>
-            <a:off x="3981450" y="4152900"/>
+            <a:off x="2781300" y="3969937"/>
             <a:ext cx="457200" cy="457200"/>
           </a:xfrm>
           <a:prstGeom prst="ellipse">
@@ -17890,424 +18348,6 @@
           </a:p>
         </p:txBody>
       </p:sp>
-      <p:cxnSp>
-        <p:nvCxnSpPr>
-          <p:cNvPr id="27" name="Straight Connector 26">
-            <a:extLst>
-              <a:ext uri="{FF2B5EF4-FFF2-40B4-BE49-F238E27FC236}">
-                <a16:creationId xmlns:a16="http://schemas.microsoft.com/office/drawing/2014/main" id="{C8B68AB0-BE75-7C45-A9DE-C28E255230F2}"/>
-              </a:ext>
-            </a:extLst>
-          </p:cNvPr>
-          <p:cNvCxnSpPr>
-            <a:cxnSpLocks/>
-          </p:cNvCxnSpPr>
-          <p:nvPr/>
-        </p:nvCxnSpPr>
-        <p:spPr>
-          <a:xfrm>
-            <a:off x="6239550" y="2476500"/>
-            <a:ext cx="0" cy="642021"/>
-          </a:xfrm>
-          <a:prstGeom prst="line">
-            <a:avLst/>
-          </a:prstGeom>
-          <a:ln w="12700">
-            <a:solidFill>
-              <a:schemeClr val="tx1"/>
-            </a:solidFill>
-            <a:headEnd type="triangle"/>
-          </a:ln>
-        </p:spPr>
-        <p:style>
-          <a:lnRef idx="1">
-            <a:schemeClr val="accent1"/>
-          </a:lnRef>
-          <a:fillRef idx="0">
-            <a:schemeClr val="accent1"/>
-          </a:fillRef>
-          <a:effectRef idx="0">
-            <a:schemeClr val="accent1"/>
-          </a:effectRef>
-          <a:fontRef idx="minor">
-            <a:schemeClr val="tx1"/>
-          </a:fontRef>
-        </p:style>
-      </p:cxnSp>
-      <p:cxnSp>
-        <p:nvCxnSpPr>
-          <p:cNvPr id="28" name="Straight Connector 27">
-            <a:extLst>
-              <a:ext uri="{FF2B5EF4-FFF2-40B4-BE49-F238E27FC236}">
-                <a16:creationId xmlns:a16="http://schemas.microsoft.com/office/drawing/2014/main" id="{8A9238D5-A048-F047-8401-1ECD6B013FF8}"/>
-              </a:ext>
-            </a:extLst>
-          </p:cNvPr>
-          <p:cNvCxnSpPr>
-            <a:cxnSpLocks/>
-          </p:cNvCxnSpPr>
-          <p:nvPr/>
-        </p:nvCxnSpPr>
-        <p:spPr>
-          <a:xfrm>
-            <a:off x="6163350" y="2476500"/>
-            <a:ext cx="152400" cy="0"/>
-          </a:xfrm>
-          <a:prstGeom prst="line">
-            <a:avLst/>
-          </a:prstGeom>
-          <a:ln w="12700">
-            <a:solidFill>
-              <a:schemeClr val="tx1"/>
-            </a:solidFill>
-          </a:ln>
-        </p:spPr>
-        <p:style>
-          <a:lnRef idx="1">
-            <a:schemeClr val="accent1"/>
-          </a:lnRef>
-          <a:fillRef idx="0">
-            <a:schemeClr val="accent1"/>
-          </a:fillRef>
-          <a:effectRef idx="0">
-            <a:schemeClr val="accent1"/>
-          </a:effectRef>
-          <a:fontRef idx="minor">
-            <a:schemeClr val="tx1"/>
-          </a:fontRef>
-        </p:style>
-      </p:cxnSp>
-      <p:cxnSp>
-        <p:nvCxnSpPr>
-          <p:cNvPr id="29" name="Straight Connector 28">
-            <a:extLst>
-              <a:ext uri="{FF2B5EF4-FFF2-40B4-BE49-F238E27FC236}">
-                <a16:creationId xmlns:a16="http://schemas.microsoft.com/office/drawing/2014/main" id="{D1E1B520-F222-7947-A296-7B7BC2CFFE5A}"/>
-              </a:ext>
-            </a:extLst>
-          </p:cNvPr>
-          <p:cNvCxnSpPr>
-            <a:cxnSpLocks/>
-          </p:cNvCxnSpPr>
-          <p:nvPr/>
-        </p:nvCxnSpPr>
-        <p:spPr>
-          <a:xfrm flipV="1">
-            <a:off x="6239550" y="3575721"/>
-            <a:ext cx="0" cy="805779"/>
-          </a:xfrm>
-          <a:prstGeom prst="line">
-            <a:avLst/>
-          </a:prstGeom>
-          <a:ln w="12700">
-            <a:solidFill>
-              <a:schemeClr val="tx1"/>
-            </a:solidFill>
-            <a:headEnd type="triangle"/>
-          </a:ln>
-        </p:spPr>
-        <p:style>
-          <a:lnRef idx="1">
-            <a:schemeClr val="accent1"/>
-          </a:lnRef>
-          <a:fillRef idx="0">
-            <a:schemeClr val="accent1"/>
-          </a:fillRef>
-          <a:effectRef idx="0">
-            <a:schemeClr val="accent1"/>
-          </a:effectRef>
-          <a:fontRef idx="minor">
-            <a:schemeClr val="tx1"/>
-          </a:fontRef>
-        </p:style>
-      </p:cxnSp>
-      <p:sp>
-        <p:nvSpPr>
-          <p:cNvPr id="30" name="TextBox 29">
-            <a:extLst>
-              <a:ext uri="{FF2B5EF4-FFF2-40B4-BE49-F238E27FC236}">
-                <a16:creationId xmlns:a16="http://schemas.microsoft.com/office/drawing/2014/main" id="{D6CDB0F2-279B-B04F-805F-A38AE0AABE01}"/>
-              </a:ext>
-            </a:extLst>
-          </p:cNvPr>
-          <p:cNvSpPr txBox="1"/>
-          <p:nvPr/>
-        </p:nvSpPr>
-        <p:spPr>
-          <a:xfrm>
-            <a:off x="5809232" y="3194721"/>
-            <a:ext cx="710451" cy="369332"/>
-          </a:xfrm>
-          <a:prstGeom prst="rect">
-            <a:avLst/>
-          </a:prstGeom>
-          <a:noFill/>
-        </p:spPr>
-        <p:txBody>
-          <a:bodyPr wrap="none" rtlCol="0">
-            <a:spAutoFit/>
-          </a:bodyPr>
-          <a:lstStyle/>
-          <a:p>
-            <a:r>
-              <a:rPr lang="en-US" dirty="0"/>
-              <a:t>1.38”</a:t>
-            </a:r>
-          </a:p>
-        </p:txBody>
-      </p:sp>
-      <p:cxnSp>
-        <p:nvCxnSpPr>
-          <p:cNvPr id="31" name="Straight Connector 30">
-            <a:extLst>
-              <a:ext uri="{FF2B5EF4-FFF2-40B4-BE49-F238E27FC236}">
-                <a16:creationId xmlns:a16="http://schemas.microsoft.com/office/drawing/2014/main" id="{BD5892DB-BB7A-0146-A630-FCA8DBA578E1}"/>
-              </a:ext>
-            </a:extLst>
-          </p:cNvPr>
-          <p:cNvCxnSpPr>
-            <a:cxnSpLocks/>
-          </p:cNvCxnSpPr>
-          <p:nvPr/>
-        </p:nvCxnSpPr>
-        <p:spPr>
-          <a:xfrm>
-            <a:off x="6163350" y="4387128"/>
-            <a:ext cx="152400" cy="0"/>
-          </a:xfrm>
-          <a:prstGeom prst="line">
-            <a:avLst/>
-          </a:prstGeom>
-          <a:ln w="12700">
-            <a:solidFill>
-              <a:schemeClr val="tx1"/>
-            </a:solidFill>
-          </a:ln>
-        </p:spPr>
-        <p:style>
-          <a:lnRef idx="1">
-            <a:schemeClr val="accent1"/>
-          </a:lnRef>
-          <a:fillRef idx="0">
-            <a:schemeClr val="accent1"/>
-          </a:fillRef>
-          <a:effectRef idx="0">
-            <a:schemeClr val="accent1"/>
-          </a:effectRef>
-          <a:fontRef idx="minor">
-            <a:schemeClr val="tx1"/>
-          </a:fontRef>
-        </p:style>
-      </p:cxnSp>
-      <p:cxnSp>
-        <p:nvCxnSpPr>
-          <p:cNvPr id="37" name="Straight Connector 36">
-            <a:extLst>
-              <a:ext uri="{FF2B5EF4-FFF2-40B4-BE49-F238E27FC236}">
-                <a16:creationId xmlns:a16="http://schemas.microsoft.com/office/drawing/2014/main" id="{D538F95C-7CEE-2C48-92D2-82516C5C017B}"/>
-              </a:ext>
-            </a:extLst>
-          </p:cNvPr>
-          <p:cNvCxnSpPr>
-            <a:cxnSpLocks/>
-          </p:cNvCxnSpPr>
-          <p:nvPr/>
-        </p:nvCxnSpPr>
-        <p:spPr>
-          <a:xfrm>
-            <a:off x="6491352" y="2266949"/>
-            <a:ext cx="0" cy="152400"/>
-          </a:xfrm>
-          <a:prstGeom prst="line">
-            <a:avLst/>
-          </a:prstGeom>
-          <a:ln w="12700">
-            <a:solidFill>
-              <a:schemeClr val="tx1"/>
-            </a:solidFill>
-          </a:ln>
-        </p:spPr>
-        <p:style>
-          <a:lnRef idx="1">
-            <a:schemeClr val="accent1"/>
-          </a:lnRef>
-          <a:fillRef idx="0">
-            <a:schemeClr val="accent1"/>
-          </a:fillRef>
-          <a:effectRef idx="0">
-            <a:schemeClr val="accent1"/>
-          </a:effectRef>
-          <a:fontRef idx="minor">
-            <a:schemeClr val="tx1"/>
-          </a:fontRef>
-        </p:style>
-      </p:cxnSp>
-      <p:sp>
-        <p:nvSpPr>
-          <p:cNvPr id="38" name="TextBox 37">
-            <a:extLst>
-              <a:ext uri="{FF2B5EF4-FFF2-40B4-BE49-F238E27FC236}">
-                <a16:creationId xmlns:a16="http://schemas.microsoft.com/office/drawing/2014/main" id="{FCF7CA20-8BD6-FA4A-8E32-9CDBDDD5361C}"/>
-              </a:ext>
-            </a:extLst>
-          </p:cNvPr>
-          <p:cNvSpPr txBox="1"/>
-          <p:nvPr/>
-        </p:nvSpPr>
-        <p:spPr>
-          <a:xfrm>
-            <a:off x="7948239" y="2158483"/>
-            <a:ext cx="710451" cy="369332"/>
-          </a:xfrm>
-          <a:prstGeom prst="rect">
-            <a:avLst/>
-          </a:prstGeom>
-          <a:noFill/>
-        </p:spPr>
-        <p:txBody>
-          <a:bodyPr wrap="none" rtlCol="0">
-            <a:spAutoFit/>
-          </a:bodyPr>
-          <a:lstStyle/>
-          <a:p>
-            <a:r>
-              <a:rPr lang="en-US" dirty="0"/>
-              <a:t>2.17”</a:t>
-            </a:r>
-          </a:p>
-        </p:txBody>
-      </p:sp>
-      <p:cxnSp>
-        <p:nvCxnSpPr>
-          <p:cNvPr id="41" name="Straight Connector 40">
-            <a:extLst>
-              <a:ext uri="{FF2B5EF4-FFF2-40B4-BE49-F238E27FC236}">
-                <a16:creationId xmlns:a16="http://schemas.microsoft.com/office/drawing/2014/main" id="{82C6F9F6-59C4-DF40-BCBD-BBAE3A8073A5}"/>
-              </a:ext>
-            </a:extLst>
-          </p:cNvPr>
-          <p:cNvCxnSpPr>
-            <a:cxnSpLocks/>
-          </p:cNvCxnSpPr>
-          <p:nvPr/>
-        </p:nvCxnSpPr>
-        <p:spPr>
-          <a:xfrm>
-            <a:off x="8572500" y="2362200"/>
-            <a:ext cx="1245633" cy="0"/>
-          </a:xfrm>
-          <a:prstGeom prst="line">
-            <a:avLst/>
-          </a:prstGeom>
-          <a:ln w="12700">
-            <a:solidFill>
-              <a:schemeClr val="tx1"/>
-            </a:solidFill>
-            <a:tailEnd type="triangle"/>
-          </a:ln>
-        </p:spPr>
-        <p:style>
-          <a:lnRef idx="1">
-            <a:schemeClr val="accent1"/>
-          </a:lnRef>
-          <a:fillRef idx="0">
-            <a:schemeClr val="accent1"/>
-          </a:fillRef>
-          <a:effectRef idx="0">
-            <a:schemeClr val="accent1"/>
-          </a:effectRef>
-          <a:fontRef idx="minor">
-            <a:schemeClr val="tx1"/>
-          </a:fontRef>
-        </p:style>
-      </p:cxnSp>
-      <p:cxnSp>
-        <p:nvCxnSpPr>
-          <p:cNvPr id="42" name="Straight Connector 41">
-            <a:extLst>
-              <a:ext uri="{FF2B5EF4-FFF2-40B4-BE49-F238E27FC236}">
-                <a16:creationId xmlns:a16="http://schemas.microsoft.com/office/drawing/2014/main" id="{AF723EF6-0094-F242-A04E-7F1FEA97A779}"/>
-              </a:ext>
-            </a:extLst>
-          </p:cNvPr>
-          <p:cNvCxnSpPr>
-            <a:cxnSpLocks/>
-          </p:cNvCxnSpPr>
-          <p:nvPr/>
-        </p:nvCxnSpPr>
-        <p:spPr>
-          <a:xfrm>
-            <a:off x="9818133" y="2286000"/>
-            <a:ext cx="0" cy="152400"/>
-          </a:xfrm>
-          <a:prstGeom prst="line">
-            <a:avLst/>
-          </a:prstGeom>
-          <a:ln w="12700">
-            <a:solidFill>
-              <a:schemeClr val="tx1"/>
-            </a:solidFill>
-          </a:ln>
-        </p:spPr>
-        <p:style>
-          <a:lnRef idx="1">
-            <a:schemeClr val="accent1"/>
-          </a:lnRef>
-          <a:fillRef idx="0">
-            <a:schemeClr val="accent1"/>
-          </a:fillRef>
-          <a:effectRef idx="0">
-            <a:schemeClr val="accent1"/>
-          </a:effectRef>
-          <a:fontRef idx="minor">
-            <a:schemeClr val="tx1"/>
-          </a:fontRef>
-        </p:style>
-      </p:cxnSp>
-      <p:cxnSp>
-        <p:nvCxnSpPr>
-          <p:cNvPr id="44" name="Straight Connector 43">
-            <a:extLst>
-              <a:ext uri="{FF2B5EF4-FFF2-40B4-BE49-F238E27FC236}">
-                <a16:creationId xmlns:a16="http://schemas.microsoft.com/office/drawing/2014/main" id="{3117F5D4-51AC-3C49-A917-143A5FE6BE0A}"/>
-              </a:ext>
-            </a:extLst>
-          </p:cNvPr>
-          <p:cNvCxnSpPr>
-            <a:cxnSpLocks/>
-          </p:cNvCxnSpPr>
-          <p:nvPr/>
-        </p:nvCxnSpPr>
-        <p:spPr>
-          <a:xfrm>
-            <a:off x="6491352" y="2343149"/>
-            <a:ext cx="1433448" cy="7913"/>
-          </a:xfrm>
-          <a:prstGeom prst="line">
-            <a:avLst/>
-          </a:prstGeom>
-          <a:ln w="12700">
-            <a:solidFill>
-              <a:schemeClr val="tx1"/>
-            </a:solidFill>
-            <a:headEnd type="triangle"/>
-          </a:ln>
-        </p:spPr>
-        <p:style>
-          <a:lnRef idx="1">
-            <a:schemeClr val="accent1"/>
-          </a:lnRef>
-          <a:fillRef idx="0">
-            <a:schemeClr val="accent1"/>
-          </a:fillRef>
-          <a:effectRef idx="0">
-            <a:schemeClr val="accent1"/>
-          </a:effectRef>
-          <a:fontRef idx="minor">
-            <a:schemeClr val="tx1"/>
-          </a:fontRef>
-        </p:style>
-      </p:cxnSp>
     </p:spTree>
     <p:extLst>
       <p:ext uri="{BB962C8B-B14F-4D97-AF65-F5344CB8AC3E}">
@@ -18318,13 +18358,13 @@
   <p:clrMapOvr>
     <a:masterClrMapping/>
   </p:clrMapOvr>
-  <mc:AlternateContent xmlns:mc="http://schemas.openxmlformats.org/markup-compatibility/2006">
-    <mc:Choice xmlns:p14="http://schemas.microsoft.com/office/powerpoint/2010/main" Requires="p14">
+  <mc:AlternateContent xmlns:mc="http://schemas.openxmlformats.org/markup-compatibility/2006" xmlns:p14="http://schemas.microsoft.com/office/powerpoint/2010/main">
+    <mc:Choice Requires="p14">
       <p:transition spd="med" p14:dur="700">
         <p:fade/>
       </p:transition>
     </mc:Choice>
-    <mc:Fallback>
+    <mc:Fallback xmlns="">
       <p:transition spd="med">
         <p:fade/>
       </p:transition>
@@ -18403,12 +18443,6 @@
           <a:p>
             <a:r>
               <a:rPr lang="en-US" dirty="0"/>
-              <a:t>Create a list of all the components that you require for the PCB</a:t>
-            </a:r>
-          </a:p>
-          <a:p>
-            <a:r>
-              <a:rPr lang="en-US" dirty="0"/>
               <a:t>Pocket Beagle </a:t>
             </a:r>
           </a:p>
@@ -18421,7 +18455,7 @@
           <a:p>
             <a:r>
               <a:rPr lang="en-US" dirty="0"/>
-              <a:t>Battery</a:t>
+              <a:t>External 5V Battery</a:t>
             </a:r>
           </a:p>
           <a:p>
